--- a/13_jQueryServerApp01.pptx
+++ b/13_jQueryServerApp01.pptx
@@ -3469,7 +3469,7 @@
                   <a:srgbClr val="FFFF00"/>
                 </a:solidFill>
               </a:rPr>
-              <a:t>13 jQuery Server App</a:t>
+              <a:t>13 jQuery Server App: Part 1</a:t>
             </a:r>
             <a:endParaRPr lang="zh-TW" altLang="en-US" sz="4800" b="1" dirty="0">
               <a:solidFill>
@@ -5629,7 +5629,7 @@
                   <a:srgbClr val="FFFF00"/>
                 </a:solidFill>
               </a:rPr>
-              <a:t>13 jQuery Server App</a:t>
+              <a:t>13 jQuery Server App: Part 1</a:t>
             </a:r>
             <a:endParaRPr lang="zh-TW" altLang="en-US" b="1" dirty="0">
               <a:solidFill>
@@ -6076,7 +6076,7 @@
                   <a:srgbClr val="FFFF00"/>
                 </a:solidFill>
               </a:rPr>
-              <a:t>13 jQuery Server App</a:t>
+              <a:t>13 jQuery Server App: Part 1</a:t>
             </a:r>
             <a:endParaRPr lang="zh-TW" altLang="en-US" b="1" dirty="0">
               <a:solidFill>
@@ -6464,7 +6464,7 @@
                   <a:srgbClr val="FFFF00"/>
                 </a:solidFill>
               </a:rPr>
-              <a:t>13 jQuery Server App</a:t>
+              <a:t>13 jQuery Server App: Part 1</a:t>
             </a:r>
             <a:endParaRPr lang="zh-TW" altLang="en-US" b="1" dirty="0">
               <a:solidFill>
@@ -7039,7 +7039,7 @@
                   <a:srgbClr val="FFFF00"/>
                 </a:solidFill>
               </a:rPr>
-              <a:t>13 jQuery Server App</a:t>
+              <a:t>13 jQuery Server App: Part 1</a:t>
             </a:r>
             <a:endParaRPr lang="zh-TW" altLang="en-US" b="1" dirty="0">
               <a:solidFill>
@@ -7428,12 +7428,12 @@
           <a:p>
             <a:pPr algn="l"/>
             <a:r>
-              <a:rPr lang="en-US" altLang="zh-TW" sz="4400" b="1" dirty="0">
+              <a:rPr lang="en-US" altLang="zh-TW" sz="4400" b="1">
                 <a:solidFill>
                   <a:srgbClr val="FFFF00"/>
                 </a:solidFill>
               </a:rPr>
-              <a:t>13 jQuery Server App</a:t>
+              <a:t>13 jQuery Server App: Part 1</a:t>
             </a:r>
             <a:endParaRPr lang="zh-TW" altLang="en-US" b="1" dirty="0">
               <a:solidFill>

--- a/13_jQueryServerApp01.pptx
+++ b/13_jQueryServerApp01.pptx
@@ -3667,7 +3667,7 @@
                   <a:srgbClr val="FFFF00"/>
                 </a:solidFill>
               </a:rPr>
-              <a:t>12.2 Step 2</a:t>
+              <a:t>13.2 Step 2</a:t>
             </a:r>
             <a:endParaRPr lang="zh-TW" altLang="en-US" b="1" dirty="0">
               <a:solidFill>
@@ -3737,7 +3737,7 @@
                 </a:solidFill>
                 <a:effectLst/>
               </a:rPr>
-              <a:t>Add schema.graphql file in the project folder 12-jquery-server-app and add the following code.</a:t>
+              <a:t>Add schema.graphql file in the project folder 13-jquery-server-app and add the following code.</a:t>
             </a:r>
           </a:p>
           <a:p>
@@ -4010,7 +4010,7 @@
                   <a:srgbClr val="FFFF00"/>
                 </a:solidFill>
               </a:rPr>
-              <a:t>12.3 Step 3</a:t>
+              <a:t>13.3 Step 3</a:t>
             </a:r>
             <a:endParaRPr lang="zh-TW" altLang="en-US" sz="4800" b="1" dirty="0">
               <a:solidFill>
@@ -4183,7 +4183,7 @@
                   <a:srgbClr val="FFFF00"/>
                 </a:solidFill>
               </a:rPr>
-              <a:t>12.3 Step 3</a:t>
+              <a:t>13.3 Step 3</a:t>
             </a:r>
             <a:endParaRPr lang="zh-TW" altLang="en-US" b="1" dirty="0">
               <a:solidFill>
@@ -4526,7 +4526,7 @@
                   <a:srgbClr val="FFFF00"/>
                 </a:solidFill>
               </a:rPr>
-              <a:t>12.4 Run Application</a:t>
+              <a:t>13.4 Run Application</a:t>
             </a:r>
             <a:endParaRPr lang="zh-TW" altLang="en-US" sz="4800" b="1" dirty="0">
               <a:solidFill>
@@ -4699,7 +4699,7 @@
                   <a:srgbClr val="FFFF00"/>
                 </a:solidFill>
               </a:rPr>
-              <a:t>12.4 Run Application</a:t>
+              <a:t>13.4 Run Application</a:t>
             </a:r>
             <a:endParaRPr lang="zh-TW" altLang="en-US" b="1" dirty="0">
               <a:solidFill>
@@ -4985,7 +4985,7 @@
                   <a:srgbClr val="FFFF00"/>
                 </a:solidFill>
               </a:rPr>
-              <a:t>12.5 Verify</a:t>
+              <a:t>13.5 Verify</a:t>
             </a:r>
             <a:endParaRPr lang="zh-TW" altLang="en-US" sz="4800" b="1" dirty="0">
               <a:solidFill>
@@ -5158,7 +5158,7 @@
                   <a:srgbClr val="FFFF00"/>
                 </a:solidFill>
               </a:rPr>
-              <a:t>12.5 Verify</a:t>
+              <a:t>13.5 Verify</a:t>
             </a:r>
             <a:endParaRPr lang="zh-TW" altLang="en-US" b="1" dirty="0">
               <a:solidFill>
@@ -6533,7 +6533,7 @@
                   <a:srgbClr val="000000"/>
                 </a:solidFill>
               </a:rPr>
-              <a:t>Fn-F12 (</a:t>
+              <a:t>Fn-F13 (</a:t>
             </a:r>
             <a:r>
               <a:rPr lang="en-US" sz="1800" b="1" i="0" dirty="0">
@@ -7701,7 +7701,7 @@
                   <a:srgbClr val="FFFF00"/>
                 </a:solidFill>
               </a:rPr>
-              <a:t>12.1 Step 1</a:t>
+              <a:t>13.1 Step 1</a:t>
             </a:r>
             <a:endParaRPr lang="zh-TW" altLang="en-US" sz="4800" b="1" dirty="0">
               <a:solidFill>
@@ -7874,7 +7874,7 @@
                   <a:srgbClr val="FFFF00"/>
                 </a:solidFill>
               </a:rPr>
-              <a:t>12.1 Step 1</a:t>
+              <a:t>13.1 Step 1</a:t>
             </a:r>
             <a:endParaRPr lang="zh-TW" altLang="en-US" b="1" dirty="0">
               <a:solidFill>
@@ -8133,7 +8133,7 @@
                   <a:srgbClr val="FFFF00"/>
                 </a:solidFill>
               </a:rPr>
-              <a:t>12.2 Step 2</a:t>
+              <a:t>13.2 Step 2</a:t>
             </a:r>
             <a:endParaRPr lang="zh-TW" altLang="en-US" sz="4800" b="1" dirty="0">
               <a:solidFill>
